--- a/branding.pptx
+++ b/branding.pptx
@@ -8,6 +8,7 @@
     <p:sldId id="256" r:id="rId2"/>
     <p:sldId id="257" r:id="rId3"/>
     <p:sldId id="258" r:id="rId4"/>
+    <p:sldId id="259" r:id="rId5"/>
   </p:sldIdLst>
   <p:sldSz cx="12192000" cy="6858000"/>
   <p:notesSz cx="6858000" cy="9144000"/>
@@ -245,7 +246,7 @@
           <a:p>
             <a:fld id="{DC917166-D47C-44B2-95F9-B9C9EFA99FC3}" type="datetimeFigureOut">
               <a:rPr lang="es-AR" smtClean="0"/>
-              <a:t>28/8/2025</a:t>
+              <a:t>29/8/2025</a:t>
             </a:fld>
             <a:endParaRPr lang="es-AR"/>
           </a:p>
@@ -415,7 +416,7 @@
           <a:p>
             <a:fld id="{DC917166-D47C-44B2-95F9-B9C9EFA99FC3}" type="datetimeFigureOut">
               <a:rPr lang="es-AR" smtClean="0"/>
-              <a:t>28/8/2025</a:t>
+              <a:t>29/8/2025</a:t>
             </a:fld>
             <a:endParaRPr lang="es-AR"/>
           </a:p>
@@ -595,7 +596,7 @@
           <a:p>
             <a:fld id="{DC917166-D47C-44B2-95F9-B9C9EFA99FC3}" type="datetimeFigureOut">
               <a:rPr lang="es-AR" smtClean="0"/>
-              <a:t>28/8/2025</a:t>
+              <a:t>29/8/2025</a:t>
             </a:fld>
             <a:endParaRPr lang="es-AR"/>
           </a:p>
@@ -765,7 +766,7 @@
           <a:p>
             <a:fld id="{DC917166-D47C-44B2-95F9-B9C9EFA99FC3}" type="datetimeFigureOut">
               <a:rPr lang="es-AR" smtClean="0"/>
-              <a:t>28/8/2025</a:t>
+              <a:t>29/8/2025</a:t>
             </a:fld>
             <a:endParaRPr lang="es-AR"/>
           </a:p>
@@ -1011,7 +1012,7 @@
           <a:p>
             <a:fld id="{DC917166-D47C-44B2-95F9-B9C9EFA99FC3}" type="datetimeFigureOut">
               <a:rPr lang="es-AR" smtClean="0"/>
-              <a:t>28/8/2025</a:t>
+              <a:t>29/8/2025</a:t>
             </a:fld>
             <a:endParaRPr lang="es-AR"/>
           </a:p>
@@ -1243,7 +1244,7 @@
           <a:p>
             <a:fld id="{DC917166-D47C-44B2-95F9-B9C9EFA99FC3}" type="datetimeFigureOut">
               <a:rPr lang="es-AR" smtClean="0"/>
-              <a:t>28/8/2025</a:t>
+              <a:t>29/8/2025</a:t>
             </a:fld>
             <a:endParaRPr lang="es-AR"/>
           </a:p>
@@ -1610,7 +1611,7 @@
           <a:p>
             <a:fld id="{DC917166-D47C-44B2-95F9-B9C9EFA99FC3}" type="datetimeFigureOut">
               <a:rPr lang="es-AR" smtClean="0"/>
-              <a:t>28/8/2025</a:t>
+              <a:t>29/8/2025</a:t>
             </a:fld>
             <a:endParaRPr lang="es-AR"/>
           </a:p>
@@ -1728,7 +1729,7 @@
           <a:p>
             <a:fld id="{DC917166-D47C-44B2-95F9-B9C9EFA99FC3}" type="datetimeFigureOut">
               <a:rPr lang="es-AR" smtClean="0"/>
-              <a:t>28/8/2025</a:t>
+              <a:t>29/8/2025</a:t>
             </a:fld>
             <a:endParaRPr lang="es-AR"/>
           </a:p>
@@ -1823,7 +1824,7 @@
           <a:p>
             <a:fld id="{DC917166-D47C-44B2-95F9-B9C9EFA99FC3}" type="datetimeFigureOut">
               <a:rPr lang="es-AR" smtClean="0"/>
-              <a:t>28/8/2025</a:t>
+              <a:t>29/8/2025</a:t>
             </a:fld>
             <a:endParaRPr lang="es-AR"/>
           </a:p>
@@ -2100,7 +2101,7 @@
           <a:p>
             <a:fld id="{DC917166-D47C-44B2-95F9-B9C9EFA99FC3}" type="datetimeFigureOut">
               <a:rPr lang="es-AR" smtClean="0"/>
-              <a:t>28/8/2025</a:t>
+              <a:t>29/8/2025</a:t>
             </a:fld>
             <a:endParaRPr lang="es-AR"/>
           </a:p>
@@ -2353,7 +2354,7 @@
           <a:p>
             <a:fld id="{DC917166-D47C-44B2-95F9-B9C9EFA99FC3}" type="datetimeFigureOut">
               <a:rPr lang="es-AR" smtClean="0"/>
-              <a:t>28/8/2025</a:t>
+              <a:t>29/8/2025</a:t>
             </a:fld>
             <a:endParaRPr lang="es-AR"/>
           </a:p>
@@ -2566,7 +2567,7 @@
           <a:p>
             <a:fld id="{DC917166-D47C-44B2-95F9-B9C9EFA99FC3}" type="datetimeFigureOut">
               <a:rPr lang="es-AR" smtClean="0"/>
-              <a:t>28/8/2025</a:t>
+              <a:t>29/8/2025</a:t>
             </a:fld>
             <a:endParaRPr lang="es-AR"/>
           </a:p>
@@ -2973,27 +2974,35 @@
       </p:grpSpPr>
       <p:grpSp>
         <p:nvGrpSpPr>
-          <p:cNvPr id="20" name="Grupo 19"/>
+          <p:cNvPr id="8" name="Group 7">
+            <a:extLst>
+              <a:ext uri="{FF2B5EF4-FFF2-40B4-BE49-F238E27FC236}">
+                <a16:creationId xmlns:a16="http://schemas.microsoft.com/office/drawing/2014/main" id="{60F56990-018F-7E63-A062-DB252B8BE8A5}"/>
+              </a:ext>
+            </a:extLst>
+          </p:cNvPr>
           <p:cNvGrpSpPr/>
           <p:nvPr/>
         </p:nvGrpSpPr>
         <p:grpSpPr>
           <a:xfrm>
-            <a:off x="258227" y="86070"/>
-            <a:ext cx="5022734" cy="2481859"/>
-            <a:chOff x="3230027" y="1933920"/>
-            <a:chExt cx="5022734" cy="2481859"/>
+            <a:off x="2829893" y="1916936"/>
+            <a:ext cx="4921134" cy="2448448"/>
+            <a:chOff x="2829893" y="1916936"/>
+            <a:chExt cx="4921134" cy="2448448"/>
           </a:xfrm>
         </p:grpSpPr>
         <p:sp>
           <p:nvSpPr>
             <p:cNvPr id="11" name="CuadroTexto 10"/>
-            <p:cNvSpPr txBox="1"/>
+            <p:cNvSpPr txBox="1">
+              <a:spLocks/>
+            </p:cNvSpPr>
             <p:nvPr/>
           </p:nvSpPr>
           <p:spPr>
             <a:xfrm>
-              <a:off x="3331627" y="1933920"/>
+              <a:off x="2829893" y="1916936"/>
               <a:ext cx="4921134" cy="2215991"/>
             </a:xfrm>
             <a:prstGeom prst="rect">
@@ -3022,13 +3031,15 @@
         <p:sp>
           <p:nvSpPr>
             <p:cNvPr id="12" name="CuadroTexto 11"/>
-            <p:cNvSpPr txBox="1"/>
+            <p:cNvSpPr txBox="1">
+              <a:spLocks/>
+            </p:cNvSpPr>
             <p:nvPr/>
           </p:nvSpPr>
           <p:spPr>
             <a:xfrm>
-              <a:off x="3230027" y="3584782"/>
-              <a:ext cx="4921134" cy="830997"/>
+              <a:off x="4889240" y="3534387"/>
+              <a:ext cx="2700449" cy="830997"/>
             </a:xfrm>
             <a:prstGeom prst="rect">
               <a:avLst/>
@@ -3046,7 +3057,7 @@
             <a:p>
               <a:pPr algn="r"/>
               <a:r>
-                <a:rPr lang="es-MX" sz="4800" dirty="0">
+                <a:rPr lang="es-MX" sz="4800" b="1" dirty="0">
                   <a:latin typeface="Baskerville Old Face" panose="02020602080505020303" pitchFamily="18" charset="0"/>
                 </a:rPr>
                 <a:t>accesorios</a:t>
@@ -3057,12 +3068,14 @@
         <p:cxnSp>
           <p:nvCxnSpPr>
             <p:cNvPr id="13" name="Conector recto 12"/>
-            <p:cNvCxnSpPr/>
+            <p:cNvCxnSpPr>
+              <a:cxnSpLocks/>
+            </p:cNvCxnSpPr>
             <p:nvPr/>
           </p:nvCxnSpPr>
           <p:spPr>
             <a:xfrm flipV="1">
-              <a:off x="3475194" y="4095530"/>
+              <a:off x="2975516" y="4132927"/>
               <a:ext cx="1982631" cy="2"/>
             </a:xfrm>
             <a:prstGeom prst="line">
@@ -3092,13 +3105,15 @@
         <p:sp>
           <p:nvSpPr>
             <p:cNvPr id="14" name="Estrella de 4 puntas 13"/>
-            <p:cNvSpPr/>
+            <p:cNvSpPr>
+              <a:spLocks/>
+            </p:cNvSpPr>
             <p:nvPr/>
           </p:nvSpPr>
           <p:spPr>
             <a:xfrm>
-              <a:off x="6277706" y="2861915"/>
-              <a:ext cx="360000" cy="360000"/>
+              <a:off x="5725114" y="2759308"/>
+              <a:ext cx="481091" cy="502797"/>
             </a:xfrm>
             <a:prstGeom prst="star4">
               <a:avLst>
@@ -3139,79 +3154,6 @@
             </a:p>
           </p:txBody>
         </p:sp>
-      </p:grpSp>
-      <p:grpSp>
-        <p:nvGrpSpPr>
-          <p:cNvPr id="26" name="Grupo 25"/>
-          <p:cNvGrpSpPr/>
-          <p:nvPr/>
-        </p:nvGrpSpPr>
-        <p:grpSpPr>
-          <a:xfrm>
-            <a:off x="6018119" y="1393799"/>
-            <a:ext cx="4680000" cy="4680000"/>
-            <a:chOff x="6018119" y="1393799"/>
-            <a:chExt cx="4680000" cy="4680000"/>
-          </a:xfrm>
-        </p:grpSpPr>
-        <p:sp>
-          <p:nvSpPr>
-            <p:cNvPr id="24" name="CuadroTexto 23"/>
-            <p:cNvSpPr txBox="1"/>
-            <p:nvPr/>
-          </p:nvSpPr>
-          <p:spPr>
-            <a:xfrm>
-              <a:off x="6018119" y="1393799"/>
-              <a:ext cx="4680000" cy="4680000"/>
-            </a:xfrm>
-            <a:prstGeom prst="rect">
-              <a:avLst/>
-            </a:prstGeom>
-            <a:solidFill>
-              <a:schemeClr val="bg1"/>
-            </a:solidFill>
-          </p:spPr>
-          <p:txBody>
-            <a:bodyPr wrap="square" rtlCol="0">
-              <a:spAutoFit/>
-            </a:bodyPr>
-            <a:lstStyle/>
-            <a:p>
-              <a:endParaRPr lang="es-AR" dirty="0"/>
-            </a:p>
-          </p:txBody>
-        </p:sp>
-        <p:pic>
-          <p:nvPicPr>
-            <p:cNvPr id="25" name="Imagen 24"/>
-            <p:cNvPicPr>
-              <a:picLocks noChangeAspect="1"/>
-            </p:cNvPicPr>
-            <p:nvPr/>
-          </p:nvPicPr>
-          <p:blipFill>
-            <a:blip r:embed="rId2">
-              <a:extLst>
-                <a:ext uri="{28A0092B-C50C-407E-A947-70E740481C1C}">
-                  <a14:useLocalDpi xmlns:a14="http://schemas.microsoft.com/office/drawing/2010/main" val="0"/>
-                </a:ext>
-              </a:extLst>
-            </a:blip>
-            <a:stretch>
-              <a:fillRect/>
-            </a:stretch>
-          </p:blipFill>
-          <p:spPr>
-            <a:xfrm>
-              <a:off x="6076950" y="2767500"/>
-              <a:ext cx="4621169" cy="1932599"/>
-            </a:xfrm>
-            <a:prstGeom prst="rect">
-              <a:avLst/>
-            </a:prstGeom>
-          </p:spPr>
-        </p:pic>
       </p:grpSp>
     </p:spTree>
     <p:extLst>
@@ -3756,6 +3698,36 @@
 </p:sld>
 </file>
 
+<file path=ppt/slides/slide4.xml><?xml version="1.0" encoding="utf-8"?>
+<p:sld xmlns:a="http://schemas.openxmlformats.org/drawingml/2006/main" xmlns:r="http://schemas.openxmlformats.org/officeDocument/2006/relationships" xmlns:p="http://schemas.openxmlformats.org/presentationml/2006/main">
+  <p:cSld>
+    <p:spTree>
+      <p:nvGrpSpPr>
+        <p:cNvPr id="1" name=""/>
+        <p:cNvGrpSpPr/>
+        <p:nvPr/>
+      </p:nvGrpSpPr>
+      <p:grpSpPr>
+        <a:xfrm>
+          <a:off x="0" y="0"/>
+          <a:ext cx="0" cy="0"/>
+          <a:chOff x="0" y="0"/>
+          <a:chExt cx="0" cy="0"/>
+        </a:xfrm>
+      </p:grpSpPr>
+    </p:spTree>
+    <p:extLst>
+      <p:ext uri="{BB962C8B-B14F-4D97-AF65-F5344CB8AC3E}">
+        <p14:creationId xmlns:p14="http://schemas.microsoft.com/office/powerpoint/2010/main" val="1291517456"/>
+      </p:ext>
+    </p:extLst>
+  </p:cSld>
+  <p:clrMapOvr>
+    <a:masterClrMapping/>
+  </p:clrMapOvr>
+</p:sld>
+</file>
+
 <file path=ppt/theme/theme1.xml><?xml version="1.0" encoding="utf-8"?>
 <a:theme xmlns:a="http://schemas.openxmlformats.org/drawingml/2006/main" name="Tema de Office">
   <a:themeElements>

--- a/branding.pptx
+++ b/branding.pptx
@@ -246,7 +246,7 @@
           <a:p>
             <a:fld id="{DC917166-D47C-44B2-95F9-B9C9EFA99FC3}" type="datetimeFigureOut">
               <a:rPr lang="es-AR" smtClean="0"/>
-              <a:t>29/8/2025</a:t>
+              <a:t>24/9/2025</a:t>
             </a:fld>
             <a:endParaRPr lang="es-AR"/>
           </a:p>
@@ -416,7 +416,7 @@
           <a:p>
             <a:fld id="{DC917166-D47C-44B2-95F9-B9C9EFA99FC3}" type="datetimeFigureOut">
               <a:rPr lang="es-AR" smtClean="0"/>
-              <a:t>29/8/2025</a:t>
+              <a:t>24/9/2025</a:t>
             </a:fld>
             <a:endParaRPr lang="es-AR"/>
           </a:p>
@@ -596,7 +596,7 @@
           <a:p>
             <a:fld id="{DC917166-D47C-44B2-95F9-B9C9EFA99FC3}" type="datetimeFigureOut">
               <a:rPr lang="es-AR" smtClean="0"/>
-              <a:t>29/8/2025</a:t>
+              <a:t>24/9/2025</a:t>
             </a:fld>
             <a:endParaRPr lang="es-AR"/>
           </a:p>
@@ -766,7 +766,7 @@
           <a:p>
             <a:fld id="{DC917166-D47C-44B2-95F9-B9C9EFA99FC3}" type="datetimeFigureOut">
               <a:rPr lang="es-AR" smtClean="0"/>
-              <a:t>29/8/2025</a:t>
+              <a:t>24/9/2025</a:t>
             </a:fld>
             <a:endParaRPr lang="es-AR"/>
           </a:p>
@@ -1012,7 +1012,7 @@
           <a:p>
             <a:fld id="{DC917166-D47C-44B2-95F9-B9C9EFA99FC3}" type="datetimeFigureOut">
               <a:rPr lang="es-AR" smtClean="0"/>
-              <a:t>29/8/2025</a:t>
+              <a:t>24/9/2025</a:t>
             </a:fld>
             <a:endParaRPr lang="es-AR"/>
           </a:p>
@@ -1244,7 +1244,7 @@
           <a:p>
             <a:fld id="{DC917166-D47C-44B2-95F9-B9C9EFA99FC3}" type="datetimeFigureOut">
               <a:rPr lang="es-AR" smtClean="0"/>
-              <a:t>29/8/2025</a:t>
+              <a:t>24/9/2025</a:t>
             </a:fld>
             <a:endParaRPr lang="es-AR"/>
           </a:p>
@@ -1611,7 +1611,7 @@
           <a:p>
             <a:fld id="{DC917166-D47C-44B2-95F9-B9C9EFA99FC3}" type="datetimeFigureOut">
               <a:rPr lang="es-AR" smtClean="0"/>
-              <a:t>29/8/2025</a:t>
+              <a:t>24/9/2025</a:t>
             </a:fld>
             <a:endParaRPr lang="es-AR"/>
           </a:p>
@@ -1729,7 +1729,7 @@
           <a:p>
             <a:fld id="{DC917166-D47C-44B2-95F9-B9C9EFA99FC3}" type="datetimeFigureOut">
               <a:rPr lang="es-AR" smtClean="0"/>
-              <a:t>29/8/2025</a:t>
+              <a:t>24/9/2025</a:t>
             </a:fld>
             <a:endParaRPr lang="es-AR"/>
           </a:p>
@@ -1824,7 +1824,7 @@
           <a:p>
             <a:fld id="{DC917166-D47C-44B2-95F9-B9C9EFA99FC3}" type="datetimeFigureOut">
               <a:rPr lang="es-AR" smtClean="0"/>
-              <a:t>29/8/2025</a:t>
+              <a:t>24/9/2025</a:t>
             </a:fld>
             <a:endParaRPr lang="es-AR"/>
           </a:p>
@@ -2101,7 +2101,7 @@
           <a:p>
             <a:fld id="{DC917166-D47C-44B2-95F9-B9C9EFA99FC3}" type="datetimeFigureOut">
               <a:rPr lang="es-AR" smtClean="0"/>
-              <a:t>29/8/2025</a:t>
+              <a:t>24/9/2025</a:t>
             </a:fld>
             <a:endParaRPr lang="es-AR"/>
           </a:p>
@@ -2354,7 +2354,7 @@
           <a:p>
             <a:fld id="{DC917166-D47C-44B2-95F9-B9C9EFA99FC3}" type="datetimeFigureOut">
               <a:rPr lang="es-AR" smtClean="0"/>
-              <a:t>29/8/2025</a:t>
+              <a:t>24/9/2025</a:t>
             </a:fld>
             <a:endParaRPr lang="es-AR"/>
           </a:p>
@@ -2567,7 +2567,7 @@
           <a:p>
             <a:fld id="{DC917166-D47C-44B2-95F9-B9C9EFA99FC3}" type="datetimeFigureOut">
               <a:rPr lang="es-AR" smtClean="0"/>
-              <a:t>29/8/2025</a:t>
+              <a:t>24/9/2025</a:t>
             </a:fld>
             <a:endParaRPr lang="es-AR"/>
           </a:p>
@@ -3057,7 +3057,7 @@
             <a:p>
               <a:pPr algn="r"/>
               <a:r>
-                <a:rPr lang="es-MX" sz="4800" b="1" dirty="0">
+                <a:rPr lang="es-MX" sz="4800" dirty="0">
                   <a:latin typeface="Baskerville Old Face" panose="02020602080505020303" pitchFamily="18" charset="0"/>
                 </a:rPr>
                 <a:t>accesorios</a:t>
